--- a/Deliverables/In- Class Presentation/System Design Activities-ver4.pptx
+++ b/Deliverables/In- Class Presentation/System Design Activities-ver4.pptx
@@ -11359,7 +11359,7 @@
         <p:spPr>
           <a:xfrm>
             <a:off x="1636442" y="3987024"/>
-            <a:ext cx="8915400" cy="3777622"/>
+            <a:ext cx="8915400" cy="2695998"/>
           </a:xfrm>
         </p:spPr>
         <p:txBody>
@@ -11379,11 +11379,7 @@
             </a:r>
           </a:p>
           <a:p>
-            <a:pPr lvl="1"/>
-            <a:r>
-              <a:rPr lang="en-US" dirty="0"/>
-              <a:t>initial subsystem should be derived from functional requirements Some subsystems are added to address new functionality.</a:t>
-            </a:r>
+            <a:endParaRPr lang="en-US" dirty="0"/>
           </a:p>
           <a:p>
             <a:r>
@@ -11449,7 +11445,7 @@
         </p:blipFill>
         <p:spPr>
           <a:xfrm>
-            <a:off x="2092223" y="584610"/>
+            <a:off x="2092223" y="595899"/>
             <a:ext cx="8007553" cy="5417410"/>
           </a:xfrm>
           <a:prstGeom prst="rect">
